--- a/img/diagram.pptx
+++ b/img/diagram.pptx
@@ -104,6 +104,11 @@
       </a:defRPr>
     </a:lvl9pPr>
   </p:defaultTextStyle>
+  <p:extLst>
+    <p:ext uri="{EFAFB233-063F-42B5-8137-9DF3F51BA10A}">
+      <p15:sldGuideLst xmlns:p15="http://schemas.microsoft.com/office/powerpoint/2012/main"/>
+    </p:ext>
+  </p:extLst>
 </p:presentation>
 </file>
 
@@ -3323,6 +3328,60 @@
       </p:grpSpPr>
       <p:sp>
         <p:nvSpPr>
+          <p:cNvPr id="2" name="Rectangle 1">
+            <a:extLst>
+              <a:ext uri="{FF2B5EF4-FFF2-40B4-BE49-F238E27FC236}">
+                <a16:creationId xmlns:a16="http://schemas.microsoft.com/office/drawing/2014/main" id="{E24D0F7A-A1BB-2049-A8F9-7DA611812E1C}"/>
+              </a:ext>
+            </a:extLst>
+          </p:cNvPr>
+          <p:cNvSpPr/>
+          <p:nvPr/>
+        </p:nvSpPr>
+        <p:spPr>
+          <a:xfrm>
+            <a:off x="1429966" y="2237363"/>
+            <a:ext cx="4455268" cy="1902152"/>
+          </a:xfrm>
+          <a:prstGeom prst="rect">
+            <a:avLst/>
+          </a:prstGeom>
+          <a:noFill/>
+        </p:spPr>
+        <p:style>
+          <a:lnRef idx="2">
+            <a:schemeClr val="accent1">
+              <a:shade val="50000"/>
+            </a:schemeClr>
+          </a:lnRef>
+          <a:fillRef idx="1">
+            <a:schemeClr val="accent1"/>
+          </a:fillRef>
+          <a:effectRef idx="0">
+            <a:schemeClr val="accent1"/>
+          </a:effectRef>
+          <a:fontRef idx="minor">
+            <a:schemeClr val="lt1"/>
+          </a:fontRef>
+        </p:style>
+        <p:txBody>
+          <a:bodyPr rtlCol="0" anchor="b" anchorCtr="0"/>
+          <a:lstStyle/>
+          <a:p>
+            <a:pPr algn="ctr"/>
+            <a:r>
+              <a:rPr lang="en-US" dirty="0">
+                <a:solidFill>
+                  <a:schemeClr val="tx1"/>
+                </a:solidFill>
+              </a:rPr>
+              <a:t>Coupled Nyx/ALPINE</a:t>
+            </a:r>
+          </a:p>
+        </p:txBody>
+      </p:sp>
+      <p:sp>
+        <p:nvSpPr>
           <p:cNvPr id="10" name="Right Arrow 9">
             <a:extLst>
               <a:ext uri="{FF2B5EF4-FFF2-40B4-BE49-F238E27FC236}">
@@ -3623,6 +3682,13 @@
         <p:txBody>
           <a:bodyPr rtlCol="0" anchor="ctr"/>
           <a:lstStyle/>
+          <a:p>
+            <a:pPr algn="ctr"/>
+            <a:r>
+              <a:rPr lang="en-US" dirty="0"/>
+              <a:t>ALPINE</a:t>
+            </a:r>
+          </a:p>
           <a:p>
             <a:pPr algn="ctr"/>
             <a:r>
